--- a/assets/ppt/editdist.pptx
+++ b/assets/ppt/editdist.pptx
@@ -20238,15 +20238,23 @@
                   <a:srgbClr val="000000"/>
                 </a:solidFill>
               </a:rPr>
-              <a:t>) = D(i-1,j-1) + cost(</a:t>
-            </a:r>
-            <a:r>
-              <a:rPr lang="en-US" sz="1800" dirty="0" err="1" smtClean="0">
+              <a:t>) = D</a:t>
+            </a:r>
+            <a:r>
+              <a:rPr lang="en-US" sz="1800" smtClean="0">
                 <a:solidFill>
                   <a:srgbClr val="000000"/>
                 </a:solidFill>
               </a:rPr>
-              <a:t>subst</a:t>
+              <a:t>(</a:t>
+            </a:r>
+            <a:r>
+              <a:rPr lang="en-US" sz="1800" smtClean="0">
+                <a:solidFill>
+                  <a:srgbClr val="000000"/>
+                </a:solidFill>
+              </a:rPr>
+              <a:t>i,</a:t>
             </a:r>
             <a:r>
               <a:rPr lang="en-US" sz="1800" dirty="0" smtClean="0">
@@ -20254,7 +20262,23 @@
                   <a:srgbClr val="000000"/>
                 </a:solidFill>
               </a:rPr>
-              <a:t>)</a:t>
+              <a:t>j-1) + </a:t>
+            </a:r>
+            <a:r>
+              <a:rPr lang="en-US" sz="1800" smtClean="0">
+                <a:solidFill>
+                  <a:srgbClr val="000000"/>
+                </a:solidFill>
+              </a:rPr>
+              <a:t>cost</a:t>
+            </a:r>
+            <a:r>
+              <a:rPr lang="en-US" sz="1800" smtClean="0">
+                <a:solidFill>
+                  <a:srgbClr val="000000"/>
+                </a:solidFill>
+              </a:rPr>
+              <a:t>(del)</a:t>
             </a:r>
             <a:endParaRPr lang="en-US" sz="1800" dirty="0">
               <a:solidFill>
